--- a/2023_05_24 - BDA - Big Data Big Dreams v0.9.pptx
+++ b/2023_05_24 - BDA - Big Data Big Dreams v0.9.pptx
@@ -4253,6 +4253,90 @@
 </file>
 
 <file path=ppt/notesSlides/notesSlide5.xml><?xml version="1.0" encoding="utf-8"?>
+<p:notes xmlns:a="http://schemas.openxmlformats.org/drawingml/2006/main" xmlns:r="http://schemas.openxmlformats.org/officeDocument/2006/relationships" xmlns:p="http://schemas.openxmlformats.org/presentationml/2006/main">
+  <p:cSld>
+    <p:spTree>
+      <p:nvGrpSpPr>
+        <p:cNvPr id="1" name=""/>
+        <p:cNvGrpSpPr/>
+        <p:nvPr/>
+      </p:nvGrpSpPr>
+      <p:grpSpPr>
+        <a:xfrm>
+          <a:off x="0" y="0"/>
+          <a:ext cx="0" cy="0"/>
+          <a:chOff x="0" y="0"/>
+          <a:chExt cx="0" cy="0"/>
+        </a:xfrm>
+      </p:grpSpPr>
+      <p:sp>
+        <p:nvSpPr>
+          <p:cNvPr id="2" name="Diakép helye 1"/>
+          <p:cNvSpPr>
+            <a:spLocks noGrp="1" noRot="1" noChangeAspect="1"/>
+          </p:cNvSpPr>
+          <p:nvPr>
+            <p:ph type="sldImg"/>
+          </p:nvPr>
+        </p:nvSpPr>
+        <p:spPr/>
+      </p:sp>
+      <p:sp>
+        <p:nvSpPr>
+          <p:cNvPr id="3" name="Jegyzetek helye 2"/>
+          <p:cNvSpPr>
+            <a:spLocks noGrp="1"/>
+          </p:cNvSpPr>
+          <p:nvPr>
+            <p:ph type="body" idx="1"/>
+          </p:nvPr>
+        </p:nvSpPr>
+        <p:spPr/>
+        <p:txBody>
+          <a:bodyPr/>
+          <a:lstStyle/>
+          <a:p>
+            <a:endParaRPr lang="en-US" dirty="0"/>
+          </a:p>
+        </p:txBody>
+      </p:sp>
+      <p:sp>
+        <p:nvSpPr>
+          <p:cNvPr id="4" name="Dia számának helye 3"/>
+          <p:cNvSpPr>
+            <a:spLocks noGrp="1"/>
+          </p:cNvSpPr>
+          <p:nvPr>
+            <p:ph type="sldNum" sz="quarter" idx="5"/>
+          </p:nvPr>
+        </p:nvSpPr>
+        <p:spPr/>
+        <p:txBody>
+          <a:bodyPr/>
+          <a:lstStyle/>
+          <a:p>
+            <a:fld id="{CACB6E09-014D-47B2-8FC7-E5DDFED08A3C}" type="slidenum">
+              <a:rPr lang="en-GB" smtClean="0"/>
+              <a:t>12</a:t>
+            </a:fld>
+            <a:endParaRPr lang="en-GB"/>
+          </a:p>
+        </p:txBody>
+      </p:sp>
+    </p:spTree>
+    <p:extLst>
+      <p:ext uri="{BB962C8B-B14F-4D97-AF65-F5344CB8AC3E}">
+        <p14:creationId xmlns:p14="http://schemas.microsoft.com/office/powerpoint/2010/main" val="3608768103"/>
+      </p:ext>
+    </p:extLst>
+  </p:cSld>
+  <p:clrMapOvr>
+    <a:masterClrMapping/>
+  </p:clrMapOvr>
+</p:notes>
+</file>
+
+<file path=ppt/notesSlides/notesSlide6.xml><?xml version="1.0" encoding="utf-8"?>
 <p:notes xmlns:a="http://schemas.openxmlformats.org/drawingml/2006/main" xmlns:r="http://schemas.openxmlformats.org/officeDocument/2006/relationships" xmlns:p="http://schemas.openxmlformats.org/presentationml/2006/main">
   <p:cSld>
     <p:spTree>
@@ -11717,45 +11801,10 @@
       </p:sp>
       <p:pic>
         <p:nvPicPr>
-          <p:cNvPr id="7" name="Kép 6" descr="A képen szöveg, sor, diagram, Diagram látható&#10;&#10;Automatikusan generált leírás">
+          <p:cNvPr id="8" name="Tartalom helye 7">
             <a:extLst>
               <a:ext uri="{FF2B5EF4-FFF2-40B4-BE49-F238E27FC236}">
-                <a16:creationId xmlns:a16="http://schemas.microsoft.com/office/drawing/2014/main" id="{7E8F7446-804A-1B0D-37D3-E742698400EB}"/>
-              </a:ext>
-            </a:extLst>
-          </p:cNvPr>
-          <p:cNvPicPr>
-            <a:picLocks noChangeAspect="1"/>
-          </p:cNvPicPr>
-          <p:nvPr/>
-        </p:nvPicPr>
-        <p:blipFill rotWithShape="1">
-          <a:blip r:embed="rId2">
-            <a:extLst>
-              <a:ext uri="{28A0092B-C50C-407E-A947-70E740481C1C}">
-                <a14:useLocalDpi xmlns:a14="http://schemas.microsoft.com/office/drawing/2010/main" val="0"/>
-              </a:ext>
-            </a:extLst>
-          </a:blip>
-          <a:srcRect l="7907" r="6" b="6"/>
-          <a:stretch/>
-        </p:blipFill>
-        <p:spPr>
-          <a:xfrm>
-            <a:off x="198741" y="2410448"/>
-            <a:ext cx="5803323" cy="3890357"/>
-          </a:xfrm>
-          <a:prstGeom prst="rect">
-            <a:avLst/>
-          </a:prstGeom>
-        </p:spPr>
-      </p:pic>
-      <p:pic>
-        <p:nvPicPr>
-          <p:cNvPr id="5" name="Tartalom helye 4" descr="A képen szöveg, képernyőkép, szám, Betűtípus látható&#10;&#10;Automatikusan generált leírás">
-            <a:extLst>
-              <a:ext uri="{FF2B5EF4-FFF2-40B4-BE49-F238E27FC236}">
-                <a16:creationId xmlns:a16="http://schemas.microsoft.com/office/drawing/2014/main" id="{38775905-C640-C961-F08D-87B90758EAE2}"/>
+                <a16:creationId xmlns:a16="http://schemas.microsoft.com/office/drawing/2014/main" id="{2BBD6067-39DF-A11C-B29F-87B7E2A03048}"/>
               </a:ext>
             </a:extLst>
           </p:cNvPr>
@@ -11766,21 +11815,49 @@
             <p:ph idx="1"/>
           </p:nvPr>
         </p:nvPicPr>
-        <p:blipFill rotWithShape="1">
-          <a:blip r:embed="rId3">
+        <p:blipFill>
+          <a:blip r:embed="rId3"/>
+          <a:stretch>
+            <a:fillRect/>
+          </a:stretch>
+        </p:blipFill>
+        <p:spPr>
+          <a:xfrm>
+            <a:off x="6597747" y="2511083"/>
+            <a:ext cx="4183704" cy="3470572"/>
+          </a:xfrm>
+        </p:spPr>
+      </p:pic>
+      <p:pic>
+        <p:nvPicPr>
+          <p:cNvPr id="10" name="Kép 9" descr="A képen szöveg, sor, diagram, Diagram látható&#10;&#10;Automatikusan generált leírás">
+            <a:extLst>
+              <a:ext uri="{FF2B5EF4-FFF2-40B4-BE49-F238E27FC236}">
+                <a16:creationId xmlns:a16="http://schemas.microsoft.com/office/drawing/2014/main" id="{58A60CF6-E51B-AE61-9062-B8D20290800B}"/>
+              </a:ext>
+            </a:extLst>
+          </p:cNvPr>
+          <p:cNvPicPr>
+            <a:picLocks noChangeAspect="1"/>
+          </p:cNvPicPr>
+          <p:nvPr/>
+        </p:nvPicPr>
+        <p:blipFill>
+          <a:blip r:embed="rId4">
             <a:extLst>
               <a:ext uri="{28A0092B-C50C-407E-A947-70E740481C1C}">
                 <a14:useLocalDpi xmlns:a14="http://schemas.microsoft.com/office/drawing/2010/main" val="0"/>
               </a:ext>
             </a:extLst>
           </a:blip>
-          <a:srcRect t="9150" r="2" b="11892"/>
-          <a:stretch/>
+          <a:stretch>
+            <a:fillRect/>
+          </a:stretch>
         </p:blipFill>
         <p:spPr>
           <a:xfrm>
-            <a:off x="6189934" y="2410448"/>
-            <a:ext cx="5803323" cy="3890357"/>
+            <a:off x="325588" y="2511083"/>
+            <a:ext cx="5770412" cy="3562404"/>
           </a:xfrm>
           <a:prstGeom prst="rect">
             <a:avLst/>
